--- a/第三章 栈、队列和数组/3.4 数组和特殊矩阵/稀疏矩阵.pptx
+++ b/第三章 栈、队列和数组/3.4 数组和特殊矩阵/稀疏矩阵.pptx
@@ -4213,13 +4213,1385 @@
       <p:grpSpPr/>
       <p:graphicFrame>
         <p:nvGraphicFramePr>
-          <p:cNvPr id="4" name="表格 3"/>
+          <p:cNvPr id="3" name="表格 2"/>
+          <p:cNvGraphicFramePr/>
+          <p:nvPr>
+            <p:custDataLst>
+              <p:tags r:id="rId1"/>
+            </p:custDataLst>
+          </p:nvPr>
+        </p:nvGraphicFramePr>
+        <p:xfrm>
+          <a:off x="5346700" y="2143125"/>
+          <a:ext cx="8540750" cy="381000"/>
+        </p:xfrm>
+        <a:graphic>
+          <a:graphicData uri="http://schemas.openxmlformats.org/drawingml/2006/table">
+            <a:tbl>
+              <a:tblPr firstRow="1" bandRow="1">
+                <a:tableStyleId>{5C22544A-7EE6-4342-B048-85BDC9FD1C3A}</a:tableStyleId>
+              </a:tblPr>
+              <a:tblGrid>
+                <a:gridCol w="432000"/>
+                <a:gridCol w="432435"/>
+                <a:gridCol w="431565"/>
+                <a:gridCol w="432000"/>
+                <a:gridCol w="432000"/>
+              </a:tblGrid>
+              <a:tr h="381000">
+                <a:tc>
+                  <a:txBody>
+                    <a:bodyPr/>
+                    <a:p>
+                      <a:pPr algn="ctr">
+                        <a:buNone/>
+                      </a:pPr>
+                      <a:r>
+                        <a:rPr lang="en-US" altLang="zh-CN" sz="1600"/>
+                        <a:t>0</a:t>
+                      </a:r>
+                      <a:endParaRPr lang="en-US" altLang="zh-CN" sz="1600"/>
+                    </a:p>
+                  </a:txBody>
+                  <a:tcPr anchor="ctr" anchorCtr="0">
+                    <a:solidFill>
+                      <a:srgbClr val="00B050"/>
+                    </a:solidFill>
+                  </a:tcPr>
+                </a:tc>
+                <a:tc>
+                  <a:txBody>
+                    <a:bodyPr/>
+                    <a:p>
+                      <a:pPr algn="ctr">
+                        <a:buNone/>
+                      </a:pPr>
+                      <a:r>
+                        <a:rPr lang="en-US" altLang="zh-CN" sz="1600"/>
+                        <a:t>2</a:t>
+                      </a:r>
+                      <a:endParaRPr lang="en-US" altLang="zh-CN" sz="1600"/>
+                    </a:p>
+                  </a:txBody>
+                  <a:tcPr anchor="ctr" anchorCtr="0">
+                    <a:solidFill>
+                      <a:srgbClr val="00B050"/>
+                    </a:solidFill>
+                  </a:tcPr>
+                </a:tc>
+                <a:tc>
+                  <a:txBody>
+                    <a:bodyPr/>
+                    <a:p>
+                      <a:pPr algn="ctr">
+                        <a:buNone/>
+                      </a:pPr>
+                      <a:r>
+                        <a:rPr lang="en-US" altLang="zh-CN" sz="1600"/>
+                        <a:t>11</a:t>
+                      </a:r>
+                      <a:endParaRPr lang="en-US" altLang="zh-CN" sz="1600"/>
+                    </a:p>
+                  </a:txBody>
+                  <a:tcPr anchor="ctr" anchorCtr="0">
+                    <a:solidFill>
+                      <a:srgbClr val="00B050"/>
+                    </a:solidFill>
+                  </a:tcPr>
+                </a:tc>
+                <a:tc>
+                  <a:txBody>
+                    <a:bodyPr/>
+                    <a:p>
+                      <a:pPr algn="ctr">
+                        <a:buNone/>
+                      </a:pPr>
+                      <a:r>
+                        <a:rPr lang="en-US" altLang="zh-CN" sz="1600">
+                          <a:sym typeface="+mn-ea"/>
+                        </a:rPr>
+                        <a:t>∧</a:t>
+                      </a:r>
+                      <a:endParaRPr lang="en-US" altLang="zh-CN" sz="1600">
+                        <a:sym typeface="+mn-ea"/>
+                      </a:endParaRPr>
+                    </a:p>
+                  </a:txBody>
+                  <a:tcPr anchor="ctr" anchorCtr="0">
+                    <a:solidFill>
+                      <a:srgbClr val="7030A0"/>
+                    </a:solidFill>
+                  </a:tcPr>
+                </a:tc>
+                <a:tc>
+                  <a:txBody>
+                    <a:bodyPr/>
+                    <a:p>
+                      <a:pPr algn="ctr">
+                        <a:buNone/>
+                      </a:pPr>
+                      <a:endParaRPr lang="zh-CN" altLang="en-US" sz="1600"/>
+                    </a:p>
+                  </a:txBody>
+                  <a:tcPr anchor="ctr" anchorCtr="0">
+                    <a:solidFill>
+                      <a:srgbClr val="7030A0"/>
+                    </a:solidFill>
+                  </a:tcPr>
+                </a:tc>
+              </a:tr>
+            </a:tbl>
+          </a:graphicData>
+        </a:graphic>
+      </p:graphicFrame>
+      <p:graphicFrame>
+        <p:nvGraphicFramePr>
+          <p:cNvPr id="5" name="表格 4"/>
           <p:cNvGraphicFramePr/>
           <p:nvPr/>
         </p:nvGraphicFramePr>
         <p:xfrm>
-          <a:off x="3393440" y="2571115"/>
-          <a:ext cx="8533765" cy="381000"/>
+          <a:off x="1038225" y="890905"/>
+          <a:ext cx="8553450" cy="381000"/>
+        </p:xfrm>
+        <a:graphic>
+          <a:graphicData uri="http://schemas.openxmlformats.org/drawingml/2006/table">
+            <a:tbl>
+              <a:tblPr firstRow="1" bandRow="1">
+                <a:tableStyleId>{5C22544A-7EE6-4342-B048-85BDC9FD1C3A}</a:tableStyleId>
+              </a:tblPr>
+              <a:tblGrid>
+                <a:gridCol w="2160000"/>
+                <a:gridCol w="2160000"/>
+                <a:gridCol w="2160000"/>
+                <a:gridCol w="2160000"/>
+                <a:gridCol w="2160000"/>
+                <a:gridCol w="2160000"/>
+              </a:tblGrid>
+              <a:tr h="381000">
+                <a:tc>
+                  <a:txBody>
+                    <a:bodyPr/>
+                    <a:p>
+                      <a:pPr algn="ctr">
+                        <a:buNone/>
+                      </a:pPr>
+                      <a:r>
+                        <a:rPr lang="en-US" altLang="zh-CN" sz="1600"/>
+                        <a:t>0</a:t>
+                      </a:r>
+                      <a:endParaRPr lang="en-US" altLang="zh-CN" sz="1600"/>
+                    </a:p>
+                  </a:txBody>
+                  <a:tcPr anchor="ctr" anchorCtr="0">
+                    <a:lnL w="12700" cmpd="sng">
+                      <a:solidFill>
+                        <a:schemeClr val="tx1"/>
+                      </a:solidFill>
+                      <a:prstDash val="solid"/>
+                    </a:lnL>
+                    <a:lnR w="12700" cmpd="sng">
+                      <a:solidFill>
+                        <a:schemeClr val="tx1"/>
+                      </a:solidFill>
+                      <a:prstDash val="solid"/>
+                    </a:lnR>
+                    <a:lnT w="12700" cmpd="sng">
+                      <a:solidFill>
+                        <a:schemeClr val="tx1"/>
+                      </a:solidFill>
+                      <a:prstDash val="solid"/>
+                    </a:lnT>
+                    <a:lnB w="12700" cmpd="sng">
+                      <a:solidFill>
+                        <a:schemeClr val="tx1"/>
+                      </a:solidFill>
+                      <a:prstDash val="solid"/>
+                    </a:lnB>
+                    <a:solidFill>
+                      <a:srgbClr val="00B0F0"/>
+                    </a:solidFill>
+                  </a:tcPr>
+                </a:tc>
+                <a:tc>
+                  <a:txBody>
+                    <a:bodyPr/>
+                    <a:p>
+                      <a:pPr algn="ctr">
+                        <a:buNone/>
+                      </a:pPr>
+                      <a:r>
+                        <a:rPr lang="en-US" altLang="zh-CN" sz="1600"/>
+                        <a:t>1</a:t>
+                      </a:r>
+                      <a:endParaRPr lang="en-US" altLang="zh-CN" sz="1600"/>
+                    </a:p>
+                  </a:txBody>
+                  <a:tcPr anchor="ctr" anchorCtr="0">
+                    <a:lnL w="12700" cmpd="sng">
+                      <a:solidFill>
+                        <a:schemeClr val="tx1"/>
+                      </a:solidFill>
+                      <a:prstDash val="solid"/>
+                    </a:lnL>
+                    <a:lnR w="12700" cmpd="sng">
+                      <a:solidFill>
+                        <a:schemeClr val="tx1"/>
+                      </a:solidFill>
+                      <a:prstDash val="solid"/>
+                    </a:lnR>
+                    <a:lnT w="12700" cmpd="sng">
+                      <a:solidFill>
+                        <a:schemeClr val="tx1"/>
+                      </a:solidFill>
+                      <a:prstDash val="solid"/>
+                    </a:lnT>
+                    <a:lnB w="12700" cmpd="sng">
+                      <a:solidFill>
+                        <a:schemeClr val="tx1"/>
+                      </a:solidFill>
+                      <a:prstDash val="solid"/>
+                    </a:lnB>
+                    <a:solidFill>
+                      <a:srgbClr val="FF0000"/>
+                    </a:solidFill>
+                  </a:tcPr>
+                </a:tc>
+                <a:tc>
+                  <a:txBody>
+                    <a:bodyPr/>
+                    <a:p>
+                      <a:pPr algn="ctr">
+                        <a:buNone/>
+                      </a:pPr>
+                      <a:r>
+                        <a:rPr lang="en-US" altLang="zh-CN" sz="1600"/>
+                        <a:t>2</a:t>
+                      </a:r>
+                      <a:endParaRPr lang="en-US" altLang="zh-CN" sz="1600"/>
+                    </a:p>
+                  </a:txBody>
+                  <a:tcPr anchor="ctr" anchorCtr="0">
+                    <a:lnL w="12700" cmpd="sng">
+                      <a:solidFill>
+                        <a:schemeClr val="tx1"/>
+                      </a:solidFill>
+                      <a:prstDash val="solid"/>
+                    </a:lnL>
+                    <a:lnR w="12700" cmpd="sng">
+                      <a:solidFill>
+                        <a:schemeClr val="tx1"/>
+                      </a:solidFill>
+                      <a:prstDash val="solid"/>
+                    </a:lnR>
+                    <a:lnT w="12700" cmpd="sng">
+                      <a:solidFill>
+                        <a:schemeClr val="tx1"/>
+                      </a:solidFill>
+                      <a:prstDash val="solid"/>
+                    </a:lnT>
+                    <a:lnB w="12700" cmpd="sng">
+                      <a:solidFill>
+                        <a:schemeClr val="tx1"/>
+                      </a:solidFill>
+                      <a:prstDash val="solid"/>
+                    </a:lnB>
+                    <a:solidFill>
+                      <a:srgbClr val="00B0F0"/>
+                    </a:solidFill>
+                  </a:tcPr>
+                </a:tc>
+                <a:tc>
+                  <a:txBody>
+                    <a:bodyPr/>
+                    <a:p>
+                      <a:pPr algn="ctr">
+                        <a:buNone/>
+                      </a:pPr>
+                      <a:r>
+                        <a:rPr lang="en-US" altLang="zh-CN" sz="1600">
+                          <a:sym typeface="+mn-ea"/>
+                        </a:rPr>
+                        <a:t>∧</a:t>
+                      </a:r>
+                      <a:endParaRPr lang="en-US" altLang="zh-CN" sz="1600">
+                        <a:sym typeface="+mn-ea"/>
+                      </a:endParaRPr>
+                    </a:p>
+                  </a:txBody>
+                  <a:tcPr anchor="ctr" anchorCtr="0">
+                    <a:lnL w="12700" cmpd="sng">
+                      <a:solidFill>
+                        <a:schemeClr val="tx1"/>
+                      </a:solidFill>
+                      <a:prstDash val="solid"/>
+                    </a:lnL>
+                    <a:lnR w="12700" cmpd="sng">
+                      <a:solidFill>
+                        <a:schemeClr val="tx1"/>
+                      </a:solidFill>
+                      <a:prstDash val="solid"/>
+                    </a:lnR>
+                    <a:lnT w="12700" cmpd="sng">
+                      <a:solidFill>
+                        <a:schemeClr val="tx1"/>
+                      </a:solidFill>
+                      <a:prstDash val="solid"/>
+                    </a:lnT>
+                    <a:lnB w="12700" cmpd="sng">
+                      <a:solidFill>
+                        <a:schemeClr val="tx1"/>
+                      </a:solidFill>
+                      <a:prstDash val="solid"/>
+                    </a:lnB>
+                    <a:solidFill>
+                      <a:srgbClr val="FF0000"/>
+                    </a:solidFill>
+                  </a:tcPr>
+                </a:tc>
+                <a:tc>
+                  <a:txBody>
+                    <a:bodyPr/>
+                    <a:p>
+                      <a:pPr algn="ctr">
+                        <a:buNone/>
+                      </a:pPr>
+                      <a:r>
+                        <a:rPr lang="en-US" altLang="zh-CN" sz="1600"/>
+                        <a:t>4</a:t>
+                      </a:r>
+                      <a:endParaRPr lang="en-US" altLang="zh-CN" sz="1600"/>
+                    </a:p>
+                  </a:txBody>
+                  <a:tcPr anchor="ctr" anchorCtr="0">
+                    <a:lnL w="12700" cmpd="sng">
+                      <a:solidFill>
+                        <a:schemeClr val="tx1"/>
+                      </a:solidFill>
+                      <a:prstDash val="solid"/>
+                    </a:lnL>
+                    <a:lnR w="12700" cmpd="sng">
+                      <a:solidFill>
+                        <a:schemeClr val="tx1"/>
+                      </a:solidFill>
+                      <a:prstDash val="solid"/>
+                    </a:lnR>
+                    <a:lnT w="12700" cmpd="sng">
+                      <a:solidFill>
+                        <a:schemeClr val="tx1"/>
+                      </a:solidFill>
+                      <a:prstDash val="solid"/>
+                    </a:lnT>
+                    <a:lnB w="12700" cmpd="sng">
+                      <a:solidFill>
+                        <a:schemeClr val="tx1"/>
+                      </a:solidFill>
+                      <a:prstDash val="solid"/>
+                    </a:lnB>
+                    <a:solidFill>
+                      <a:srgbClr val="00B0F0"/>
+                    </a:solidFill>
+                  </a:tcPr>
+                </a:tc>
+                <a:tc>
+                  <a:txBody>
+                    <a:bodyPr/>
+                    <a:p>
+                      <a:pPr algn="ctr">
+                        <a:buNone/>
+                      </a:pPr>
+                      <a:r>
+                        <a:rPr lang="en-US" altLang="zh-CN" sz="1600"/>
+                        <a:t>5</a:t>
+                      </a:r>
+                      <a:endParaRPr lang="en-US" altLang="zh-CN" sz="1600"/>
+                    </a:p>
+                  </a:txBody>
+                  <a:tcPr anchor="ctr" anchorCtr="0">
+                    <a:lnL w="12700" cmpd="sng">
+                      <a:solidFill>
+                        <a:schemeClr val="tx1"/>
+                      </a:solidFill>
+                      <a:prstDash val="solid"/>
+                    </a:lnL>
+                    <a:lnR w="12700" cmpd="sng">
+                      <a:solidFill>
+                        <a:schemeClr val="tx1"/>
+                      </a:solidFill>
+                      <a:prstDash val="solid"/>
+                    </a:lnR>
+                    <a:lnT w="12700" cmpd="sng">
+                      <a:solidFill>
+                        <a:schemeClr val="tx1"/>
+                      </a:solidFill>
+                      <a:prstDash val="solid"/>
+                    </a:lnT>
+                    <a:lnB w="12700" cmpd="sng">
+                      <a:solidFill>
+                        <a:schemeClr val="tx1"/>
+                      </a:solidFill>
+                      <a:prstDash val="solid"/>
+                    </a:lnB>
+                    <a:solidFill>
+                      <a:srgbClr val="FF0000"/>
+                    </a:solidFill>
+                  </a:tcPr>
+                </a:tc>
+              </a:tr>
+            </a:tbl>
+          </a:graphicData>
+        </a:graphic>
+      </p:graphicFrame>
+      <p:sp>
+        <p:nvSpPr>
+          <p:cNvPr id="7" name="文本框 6"/>
+          <p:cNvSpPr txBox="1"/>
+          <p:nvPr/>
+        </p:nvSpPr>
+        <p:spPr>
+          <a:xfrm>
+            <a:off x="1038225" y="525780"/>
+            <a:ext cx="1416050" cy="337185"/>
+          </a:xfrm>
+          <a:prstGeom prst="rect">
+            <a:avLst/>
+          </a:prstGeom>
+          <a:noFill/>
+        </p:spPr>
+        <p:txBody>
+          <a:bodyPr wrap="square" rtlCol="0">
+            <a:spAutoFit/>
+          </a:bodyPr>
+          <a:p>
+            <a:r>
+              <a:rPr lang="zh-CN" altLang="en-US" sz="1600" b="1">
+                <a:latin typeface="楷体" panose="02010609060101010101" charset="-122"/>
+                <a:ea typeface="楷体" panose="02010609060101010101" charset="-122"/>
+              </a:rPr>
+              <a:t>列指针数组</a:t>
+            </a:r>
+            <a:endParaRPr lang="zh-CN" altLang="en-US" sz="1600" b="1">
+              <a:latin typeface="楷体" panose="02010609060101010101" charset="-122"/>
+              <a:ea typeface="楷体" panose="02010609060101010101" charset="-122"/>
+            </a:endParaRPr>
+          </a:p>
+        </p:txBody>
+      </p:sp>
+      <p:graphicFrame>
+        <p:nvGraphicFramePr>
+          <p:cNvPr id="8" name="表格 7"/>
+          <p:cNvGraphicFramePr/>
+          <p:nvPr/>
+        </p:nvGraphicFramePr>
+        <p:xfrm>
+          <a:off x="137160" y="2005330"/>
+          <a:ext cx="1710690" cy="3286125"/>
+        </p:xfrm>
+        <a:graphic>
+          <a:graphicData uri="http://schemas.openxmlformats.org/drawingml/2006/table">
+            <a:tbl>
+              <a:tblPr firstRow="1" bandRow="1">
+                <a:tableStyleId>{5C22544A-7EE6-4342-B048-85BDC9FD1C3A}</a:tableStyleId>
+              </a:tblPr>
+              <a:tblGrid>
+                <a:gridCol w="432000"/>
+              </a:tblGrid>
+              <a:tr h="657225">
+                <a:tc>
+                  <a:txBody>
+                    <a:bodyPr/>
+                    <a:p>
+                      <a:pPr algn="ctr">
+                        <a:buNone/>
+                      </a:pPr>
+                      <a:r>
+                        <a:rPr lang="en-US" altLang="zh-CN" sz="1600">
+                          <a:solidFill>
+                            <a:schemeClr val="bg1"/>
+                          </a:solidFill>
+                        </a:rPr>
+                        <a:t>0</a:t>
+                      </a:r>
+                      <a:endParaRPr lang="en-US" altLang="zh-CN" sz="1600">
+                        <a:solidFill>
+                          <a:schemeClr val="bg1"/>
+                        </a:solidFill>
+                      </a:endParaRPr>
+                    </a:p>
+                  </a:txBody>
+                  <a:tcPr anchor="ctr" anchorCtr="0">
+                    <a:lnL w="12700" cmpd="sng">
+                      <a:solidFill>
+                        <a:schemeClr val="tx1"/>
+                      </a:solidFill>
+                      <a:prstDash val="solid"/>
+                    </a:lnL>
+                    <a:lnR w="12700" cmpd="sng">
+                      <a:solidFill>
+                        <a:schemeClr val="tx1"/>
+                      </a:solidFill>
+                      <a:prstDash val="solid"/>
+                    </a:lnR>
+                    <a:lnT w="12700" cmpd="sng">
+                      <a:solidFill>
+                        <a:schemeClr val="tx1"/>
+                      </a:solidFill>
+                      <a:prstDash val="solid"/>
+                    </a:lnT>
+                    <a:lnB w="12700" cmpd="sng">
+                      <a:solidFill>
+                        <a:schemeClr val="tx1"/>
+                      </a:solidFill>
+                      <a:prstDash val="solid"/>
+                    </a:lnB>
+                    <a:solidFill>
+                      <a:schemeClr val="accent4">
+                        <a:lumMod val="75000"/>
+                      </a:schemeClr>
+                    </a:solidFill>
+                  </a:tcPr>
+                </a:tc>
+              </a:tr>
+              <a:tr h="657225">
+                <a:tc>
+                  <a:txBody>
+                    <a:bodyPr/>
+                    <a:p>
+                      <a:pPr algn="ctr">
+                        <a:buNone/>
+                      </a:pPr>
+                      <a:r>
+                        <a:rPr lang="en-US" altLang="zh-CN" sz="1600" b="1">
+                          <a:solidFill>
+                            <a:schemeClr val="bg1"/>
+                          </a:solidFill>
+                        </a:rPr>
+                        <a:t>1</a:t>
+                      </a:r>
+                      <a:endParaRPr lang="en-US" altLang="zh-CN" sz="1600" b="1">
+                        <a:solidFill>
+                          <a:schemeClr val="bg1"/>
+                        </a:solidFill>
+                      </a:endParaRPr>
+                    </a:p>
+                  </a:txBody>
+                  <a:tcPr anchor="ctr" anchorCtr="0">
+                    <a:lnL w="12700" cmpd="sng">
+                      <a:solidFill>
+                        <a:schemeClr val="tx1"/>
+                      </a:solidFill>
+                      <a:prstDash val="solid"/>
+                    </a:lnL>
+                    <a:lnR w="12700" cmpd="sng">
+                      <a:solidFill>
+                        <a:schemeClr val="tx1"/>
+                      </a:solidFill>
+                      <a:prstDash val="solid"/>
+                    </a:lnR>
+                    <a:lnT w="12700" cmpd="sng">
+                      <a:solidFill>
+                        <a:schemeClr val="tx1"/>
+                      </a:solidFill>
+                      <a:prstDash val="solid"/>
+                    </a:lnT>
+                    <a:lnB w="12700" cmpd="sng">
+                      <a:solidFill>
+                        <a:schemeClr val="tx1"/>
+                      </a:solidFill>
+                      <a:prstDash val="solid"/>
+                    </a:lnB>
+                    <a:solidFill>
+                      <a:schemeClr val="accent6">
+                        <a:lumMod val="60000"/>
+                        <a:lumOff val="40000"/>
+                      </a:schemeClr>
+                    </a:solidFill>
+                  </a:tcPr>
+                </a:tc>
+              </a:tr>
+              <a:tr h="657225">
+                <a:tc>
+                  <a:txBody>
+                    <a:bodyPr/>
+                    <a:p>
+                      <a:pPr algn="ctr">
+                        <a:buNone/>
+                      </a:pPr>
+                      <a:r>
+                        <a:rPr lang="en-US" altLang="zh-CN" sz="1600" b="1">
+                          <a:solidFill>
+                            <a:schemeClr val="bg1"/>
+                          </a:solidFill>
+                          <a:sym typeface="+mn-ea"/>
+                        </a:rPr>
+                        <a:t>∧</a:t>
+                      </a:r>
+                      <a:endParaRPr lang="en-US" altLang="zh-CN" sz="1600" b="1">
+                        <a:solidFill>
+                          <a:schemeClr val="bg1"/>
+                        </a:solidFill>
+                        <a:sym typeface="+mn-ea"/>
+                      </a:endParaRPr>
+                    </a:p>
+                  </a:txBody>
+                  <a:tcPr anchor="ctr" anchorCtr="0">
+                    <a:lnL w="12700" cmpd="sng">
+                      <a:solidFill>
+                        <a:schemeClr val="tx1"/>
+                      </a:solidFill>
+                      <a:prstDash val="solid"/>
+                    </a:lnL>
+                    <a:lnR w="12700" cmpd="sng">
+                      <a:solidFill>
+                        <a:schemeClr val="tx1"/>
+                      </a:solidFill>
+                      <a:prstDash val="solid"/>
+                    </a:lnR>
+                    <a:lnT w="12700" cmpd="sng">
+                      <a:solidFill>
+                        <a:schemeClr val="tx1"/>
+                      </a:solidFill>
+                      <a:prstDash val="solid"/>
+                    </a:lnT>
+                    <a:lnB w="12700" cmpd="sng">
+                      <a:solidFill>
+                        <a:schemeClr val="tx1"/>
+                      </a:solidFill>
+                      <a:prstDash val="solid"/>
+                    </a:lnB>
+                    <a:solidFill>
+                      <a:schemeClr val="accent4">
+                        <a:lumMod val="75000"/>
+                      </a:schemeClr>
+                    </a:solidFill>
+                  </a:tcPr>
+                </a:tc>
+              </a:tr>
+              <a:tr h="657225">
+                <a:tc>
+                  <a:txBody>
+                    <a:bodyPr/>
+                    <a:p>
+                      <a:pPr algn="ctr">
+                        <a:buNone/>
+                      </a:pPr>
+                      <a:r>
+                        <a:rPr lang="en-US" altLang="zh-CN" sz="1600" b="1">
+                          <a:solidFill>
+                            <a:schemeClr val="bg1"/>
+                          </a:solidFill>
+                        </a:rPr>
+                        <a:t>3</a:t>
+                      </a:r>
+                      <a:endParaRPr lang="en-US" altLang="zh-CN" sz="1600" b="1">
+                        <a:solidFill>
+                          <a:schemeClr val="bg1"/>
+                        </a:solidFill>
+                      </a:endParaRPr>
+                    </a:p>
+                  </a:txBody>
+                  <a:tcPr anchor="ctr" anchorCtr="0">
+                    <a:lnL w="12700" cmpd="sng">
+                      <a:solidFill>
+                        <a:schemeClr val="tx1"/>
+                      </a:solidFill>
+                      <a:prstDash val="solid"/>
+                    </a:lnL>
+                    <a:lnR w="12700" cmpd="sng">
+                      <a:solidFill>
+                        <a:schemeClr val="tx1"/>
+                      </a:solidFill>
+                      <a:prstDash val="solid"/>
+                    </a:lnR>
+                    <a:lnT w="12700" cmpd="sng">
+                      <a:solidFill>
+                        <a:schemeClr val="tx1"/>
+                      </a:solidFill>
+                      <a:prstDash val="solid"/>
+                    </a:lnT>
+                    <a:lnB w="12700" cmpd="sng">
+                      <a:solidFill>
+                        <a:schemeClr val="tx1"/>
+                      </a:solidFill>
+                      <a:prstDash val="solid"/>
+                    </a:lnB>
+                    <a:solidFill>
+                      <a:schemeClr val="accent6">
+                        <a:lumMod val="60000"/>
+                        <a:lumOff val="40000"/>
+                      </a:schemeClr>
+                    </a:solidFill>
+                  </a:tcPr>
+                </a:tc>
+              </a:tr>
+              <a:tr h="657225">
+                <a:tc>
+                  <a:txBody>
+                    <a:bodyPr/>
+                    <a:p>
+                      <a:pPr algn="ctr">
+                        <a:buNone/>
+                      </a:pPr>
+                      <a:r>
+                        <a:rPr lang="en-US" altLang="zh-CN" sz="1600" b="1">
+                          <a:solidFill>
+                            <a:schemeClr val="bg1"/>
+                          </a:solidFill>
+                        </a:rPr>
+                        <a:t>4</a:t>
+                      </a:r>
+                      <a:endParaRPr lang="en-US" altLang="zh-CN" sz="1600" b="1">
+                        <a:solidFill>
+                          <a:schemeClr val="bg1"/>
+                        </a:solidFill>
+                      </a:endParaRPr>
+                    </a:p>
+                  </a:txBody>
+                  <a:tcPr anchor="ctr" anchorCtr="0">
+                    <a:lnL w="12700" cmpd="sng">
+                      <a:solidFill>
+                        <a:schemeClr val="tx1"/>
+                      </a:solidFill>
+                      <a:prstDash val="solid"/>
+                    </a:lnL>
+                    <a:lnR w="12700" cmpd="sng">
+                      <a:solidFill>
+                        <a:schemeClr val="tx1"/>
+                      </a:solidFill>
+                      <a:prstDash val="solid"/>
+                    </a:lnR>
+                    <a:lnT w="12700" cmpd="sng">
+                      <a:solidFill>
+                        <a:schemeClr val="tx1"/>
+                      </a:solidFill>
+                      <a:prstDash val="solid"/>
+                    </a:lnT>
+                    <a:lnB w="12700" cmpd="sng">
+                      <a:solidFill>
+                        <a:schemeClr val="tx1"/>
+                      </a:solidFill>
+                      <a:prstDash val="solid"/>
+                    </a:lnB>
+                    <a:solidFill>
+                      <a:schemeClr val="accent4">
+                        <a:lumMod val="75000"/>
+                      </a:schemeClr>
+                    </a:solidFill>
+                  </a:tcPr>
+                </a:tc>
+              </a:tr>
+            </a:tbl>
+          </a:graphicData>
+        </a:graphic>
+      </p:graphicFrame>
+      <p:sp>
+        <p:nvSpPr>
+          <p:cNvPr id="9" name="文本框 8"/>
+          <p:cNvSpPr txBox="1"/>
+          <p:nvPr>
+            <p:custDataLst>
+              <p:tags r:id="rId2"/>
+            </p:custDataLst>
+          </p:nvPr>
+        </p:nvSpPr>
+        <p:spPr>
+          <a:xfrm>
+            <a:off x="0" y="5434330"/>
+            <a:ext cx="1426845" cy="337185"/>
+          </a:xfrm>
+          <a:prstGeom prst="rect">
+            <a:avLst/>
+          </a:prstGeom>
+          <a:noFill/>
+        </p:spPr>
+        <p:txBody>
+          <a:bodyPr wrap="square" rtlCol="0">
+            <a:spAutoFit/>
+          </a:bodyPr>
+          <a:p>
+            <a:r>
+              <a:rPr lang="zh-CN" altLang="en-US" sz="1600" b="1">
+                <a:latin typeface="楷体" panose="02010609060101010101" charset="-122"/>
+                <a:ea typeface="楷体" panose="02010609060101010101" charset="-122"/>
+              </a:rPr>
+              <a:t>行指针数组</a:t>
+            </a:r>
+            <a:endParaRPr lang="zh-CN" altLang="en-US" sz="1600" b="1">
+              <a:latin typeface="楷体" panose="02010609060101010101" charset="-122"/>
+              <a:ea typeface="楷体" panose="02010609060101010101" charset="-122"/>
+            </a:endParaRPr>
+          </a:p>
+        </p:txBody>
+      </p:sp>
+      <p:graphicFrame>
+        <p:nvGraphicFramePr>
+          <p:cNvPr id="10" name="表格 9"/>
+          <p:cNvGraphicFramePr/>
+          <p:nvPr>
+            <p:custDataLst>
+              <p:tags r:id="rId3"/>
+            </p:custDataLst>
+          </p:nvPr>
+        </p:nvGraphicFramePr>
+        <p:xfrm>
+          <a:off x="9667240" y="2143125"/>
+          <a:ext cx="8540750" cy="381000"/>
+        </p:xfrm>
+        <a:graphic>
+          <a:graphicData uri="http://schemas.openxmlformats.org/drawingml/2006/table">
+            <a:tbl>
+              <a:tblPr firstRow="1" bandRow="1">
+                <a:tableStyleId>{5C22544A-7EE6-4342-B048-85BDC9FD1C3A}</a:tableStyleId>
+              </a:tblPr>
+              <a:tblGrid>
+                <a:gridCol w="432000"/>
+                <a:gridCol w="432435"/>
+                <a:gridCol w="431565"/>
+                <a:gridCol w="432000"/>
+                <a:gridCol w="432000"/>
+              </a:tblGrid>
+              <a:tr h="381000">
+                <a:tc>
+                  <a:txBody>
+                    <a:bodyPr/>
+                    <a:p>
+                      <a:pPr algn="ctr">
+                        <a:buNone/>
+                      </a:pPr>
+                      <a:r>
+                        <a:rPr lang="en-US" altLang="zh-CN" sz="1600"/>
+                        <a:t>0</a:t>
+                      </a:r>
+                      <a:endParaRPr lang="en-US" altLang="zh-CN" sz="1600"/>
+                    </a:p>
+                  </a:txBody>
+                  <a:tcPr anchor="ctr" anchorCtr="0">
+                    <a:solidFill>
+                      <a:srgbClr val="00B050"/>
+                    </a:solidFill>
+                  </a:tcPr>
+                </a:tc>
+                <a:tc>
+                  <a:txBody>
+                    <a:bodyPr/>
+                    <a:p>
+                      <a:pPr algn="ctr">
+                        <a:buNone/>
+                      </a:pPr>
+                      <a:r>
+                        <a:rPr lang="en-US" altLang="zh-CN" sz="1600"/>
+                        <a:t>4</a:t>
+                      </a:r>
+                      <a:endParaRPr lang="en-US" altLang="zh-CN" sz="1600"/>
+                    </a:p>
+                  </a:txBody>
+                  <a:tcPr anchor="ctr" anchorCtr="0">
+                    <a:solidFill>
+                      <a:srgbClr val="00B050"/>
+                    </a:solidFill>
+                  </a:tcPr>
+                </a:tc>
+                <a:tc>
+                  <a:txBody>
+                    <a:bodyPr/>
+                    <a:p>
+                      <a:pPr algn="ctr">
+                        <a:buNone/>
+                      </a:pPr>
+                      <a:r>
+                        <a:rPr lang="en-US" altLang="zh-CN" sz="1600"/>
+                        <a:t>17</a:t>
+                      </a:r>
+                      <a:endParaRPr lang="en-US" altLang="zh-CN" sz="1600"/>
+                    </a:p>
+                  </a:txBody>
+                  <a:tcPr anchor="ctr" anchorCtr="0">
+                    <a:solidFill>
+                      <a:srgbClr val="00B050"/>
+                    </a:solidFill>
+                  </a:tcPr>
+                </a:tc>
+                <a:tc>
+                  <a:txBody>
+                    <a:bodyPr/>
+                    <a:p>
+                      <a:pPr algn="ctr">
+                        <a:buNone/>
+                      </a:pPr>
+                      <a:endParaRPr lang="zh-CN" altLang="en-US" sz="1600"/>
+                    </a:p>
+                  </a:txBody>
+                  <a:tcPr anchor="ctr" anchorCtr="0">
+                    <a:solidFill>
+                      <a:srgbClr val="7030A0"/>
+                    </a:solidFill>
+                  </a:tcPr>
+                </a:tc>
+                <a:tc>
+                  <a:txBody>
+                    <a:bodyPr/>
+                    <a:p>
+                      <a:pPr algn="ctr">
+                        <a:buNone/>
+                      </a:pPr>
+                      <a:r>
+                        <a:rPr lang="en-US" altLang="zh-CN" sz="1600">
+                          <a:sym typeface="+mn-ea"/>
+                        </a:rPr>
+                        <a:t>∧</a:t>
+                      </a:r>
+                      <a:endParaRPr lang="en-US" altLang="zh-CN" sz="1600">
+                        <a:sym typeface="+mn-ea"/>
+                      </a:endParaRPr>
+                    </a:p>
+                  </a:txBody>
+                  <a:tcPr anchor="ctr" anchorCtr="0">
+                    <a:solidFill>
+                      <a:srgbClr val="7030A0"/>
+                    </a:solidFill>
+                  </a:tcPr>
+                </a:tc>
+              </a:tr>
+            </a:tbl>
+          </a:graphicData>
+        </a:graphic>
+      </p:graphicFrame>
+      <p:graphicFrame>
+        <p:nvGraphicFramePr>
+          <p:cNvPr id="11" name="表格 10"/>
+          <p:cNvGraphicFramePr/>
+          <p:nvPr>
+            <p:custDataLst>
+              <p:tags r:id="rId4"/>
+            </p:custDataLst>
+          </p:nvPr>
+        </p:nvGraphicFramePr>
+        <p:xfrm>
+          <a:off x="3204845" y="2900045"/>
+          <a:ext cx="8540750" cy="381000"/>
+        </p:xfrm>
+        <a:graphic>
+          <a:graphicData uri="http://schemas.openxmlformats.org/drawingml/2006/table">
+            <a:tbl>
+              <a:tblPr firstRow="1" bandRow="1">
+                <a:tableStyleId>{5C22544A-7EE6-4342-B048-85BDC9FD1C3A}</a:tableStyleId>
+              </a:tblPr>
+              <a:tblGrid>
+                <a:gridCol w="432000"/>
+                <a:gridCol w="432435"/>
+                <a:gridCol w="431565"/>
+                <a:gridCol w="432000"/>
+                <a:gridCol w="432000"/>
+              </a:tblGrid>
+              <a:tr h="381000">
+                <a:tc>
+                  <a:txBody>
+                    <a:bodyPr/>
+                    <a:p>
+                      <a:pPr algn="ctr">
+                        <a:buNone/>
+                      </a:pPr>
+                      <a:r>
+                        <a:rPr lang="en-US" altLang="zh-CN" sz="1600"/>
+                        <a:t>1</a:t>
+                      </a:r>
+                      <a:endParaRPr lang="en-US" altLang="zh-CN" sz="1600"/>
+                    </a:p>
+                  </a:txBody>
+                  <a:tcPr anchor="ctr" anchorCtr="0">
+                    <a:solidFill>
+                      <a:srgbClr val="00B050"/>
+                    </a:solidFill>
+                  </a:tcPr>
+                </a:tc>
+                <a:tc>
+                  <a:txBody>
+                    <a:bodyPr/>
+                    <a:p>
+                      <a:pPr algn="ctr">
+                        <a:buNone/>
+                      </a:pPr>
+                      <a:r>
+                        <a:rPr lang="en-US" altLang="zh-CN" sz="1600"/>
+                        <a:t>1</a:t>
+                      </a:r>
+                      <a:endParaRPr lang="en-US" altLang="zh-CN" sz="1600"/>
+                    </a:p>
+                  </a:txBody>
+                  <a:tcPr anchor="ctr" anchorCtr="0">
+                    <a:solidFill>
+                      <a:srgbClr val="00B050"/>
+                    </a:solidFill>
+                  </a:tcPr>
+                </a:tc>
+                <a:tc>
+                  <a:txBody>
+                    <a:bodyPr/>
+                    <a:p>
+                      <a:pPr algn="ctr">
+                        <a:buNone/>
+                      </a:pPr>
+                      <a:r>
+                        <a:rPr lang="en-US" altLang="zh-CN" sz="1600"/>
+                        <a:t>20</a:t>
+                      </a:r>
+                      <a:endParaRPr lang="en-US" altLang="zh-CN" sz="1600"/>
+                    </a:p>
+                  </a:txBody>
+                  <a:tcPr anchor="ctr" anchorCtr="0">
+                    <a:solidFill>
+                      <a:srgbClr val="00B050"/>
+                    </a:solidFill>
+                  </a:tcPr>
+                </a:tc>
+                <a:tc>
+                  <a:txBody>
+                    <a:bodyPr/>
+                    <a:p>
+                      <a:pPr algn="ctr">
+                        <a:buNone/>
+                      </a:pPr>
+                      <a:r>
+                        <a:rPr lang="en-US" altLang="zh-CN" sz="1600">
+                          <a:sym typeface="+mn-ea"/>
+                        </a:rPr>
+                        <a:t>∧</a:t>
+                      </a:r>
+                      <a:endParaRPr lang="en-US" altLang="zh-CN" sz="1600">
+                        <a:sym typeface="+mn-ea"/>
+                      </a:endParaRPr>
+                    </a:p>
+                  </a:txBody>
+                  <a:tcPr anchor="ctr" anchorCtr="0">
+                    <a:solidFill>
+                      <a:srgbClr val="7030A0"/>
+                    </a:solidFill>
+                  </a:tcPr>
+                </a:tc>
+                <a:tc>
+                  <a:txBody>
+                    <a:bodyPr/>
+                    <a:p>
+                      <a:pPr algn="ctr">
+                        <a:buNone/>
+                      </a:pPr>
+                      <a:r>
+                        <a:rPr lang="en-US" altLang="zh-CN" sz="1600">
+                          <a:sym typeface="+mn-ea"/>
+                        </a:rPr>
+                        <a:t>∧</a:t>
+                      </a:r>
+                      <a:endParaRPr lang="en-US" altLang="zh-CN" sz="1600">
+                        <a:sym typeface="+mn-ea"/>
+                      </a:endParaRPr>
+                    </a:p>
+                  </a:txBody>
+                  <a:tcPr anchor="ctr" anchorCtr="0">
+                    <a:solidFill>
+                      <a:srgbClr val="7030A0"/>
+                    </a:solidFill>
+                  </a:tcPr>
+                </a:tc>
+              </a:tr>
+            </a:tbl>
+          </a:graphicData>
+        </a:graphic>
+      </p:graphicFrame>
+      <p:graphicFrame>
+        <p:nvGraphicFramePr>
+          <p:cNvPr id="14" name="表格 13"/>
+          <p:cNvGraphicFramePr/>
+          <p:nvPr>
+            <p:custDataLst>
+              <p:tags r:id="rId5"/>
+            </p:custDataLst>
+          </p:nvPr>
+        </p:nvGraphicFramePr>
+        <p:xfrm>
+          <a:off x="11837670" y="4115435"/>
+          <a:ext cx="2160270" cy="365760"/>
+        </p:xfrm>
+        <a:graphic>
+          <a:graphicData uri="http://schemas.openxmlformats.org/drawingml/2006/table">
+            <a:tbl>
+              <a:tblPr firstRow="1" bandRow="1">
+                <a:tableStyleId>{5C22544A-7EE6-4342-B048-85BDC9FD1C3A}</a:tableStyleId>
+              </a:tblPr>
+              <a:tblGrid>
+                <a:gridCol w="432000"/>
+                <a:gridCol w="432000"/>
+                <a:gridCol w="432000"/>
+                <a:gridCol w="431800"/>
+                <a:gridCol w="432200"/>
+              </a:tblGrid>
+              <a:tr h="0">
+                <a:tc>
+                  <a:txBody>
+                    <a:bodyPr/>
+                    <a:p>
+                      <a:pPr algn="ctr">
+                        <a:buNone/>
+                      </a:pPr>
+                      <a:r>
+                        <a:rPr lang="en-US" altLang="zh-CN" sz="1600"/>
+                        <a:t>3</a:t>
+                      </a:r>
+                      <a:endParaRPr lang="en-US" altLang="zh-CN" sz="1600"/>
+                    </a:p>
+                  </a:txBody>
+                  <a:tcPr anchor="ctr" anchorCtr="0">
+                    <a:solidFill>
+                      <a:srgbClr val="00B050"/>
+                    </a:solidFill>
+                  </a:tcPr>
+                </a:tc>
+                <a:tc>
+                  <a:txBody>
+                    <a:bodyPr/>
+                    <a:p>
+                      <a:pPr algn="ctr">
+                        <a:buNone/>
+                      </a:pPr>
+                      <a:r>
+                        <a:rPr lang="en-US" altLang="zh-CN" sz="1600"/>
+                        <a:t>5</a:t>
+                      </a:r>
+                      <a:endParaRPr lang="en-US" altLang="zh-CN" sz="1600"/>
+                    </a:p>
+                  </a:txBody>
+                  <a:tcPr anchor="ctr" anchorCtr="0">
+                    <a:solidFill>
+                      <a:srgbClr val="00B050"/>
+                    </a:solidFill>
+                  </a:tcPr>
+                </a:tc>
+                <a:tc>
+                  <a:txBody>
+                    <a:bodyPr/>
+                    <a:p>
+                      <a:pPr algn="ctr">
+                        <a:buNone/>
+                      </a:pPr>
+                      <a:r>
+                        <a:rPr lang="en-US" altLang="zh-CN" sz="1600"/>
+                        <a:t>28</a:t>
+                      </a:r>
+                      <a:endParaRPr lang="en-US" altLang="zh-CN" sz="1600"/>
+                    </a:p>
+                  </a:txBody>
+                  <a:tcPr anchor="ctr" anchorCtr="0">
+                    <a:solidFill>
+                      <a:srgbClr val="00B050"/>
+                    </a:solidFill>
+                  </a:tcPr>
+                </a:tc>
+                <a:tc>
+                  <a:txBody>
+                    <a:bodyPr/>
+                    <a:p>
+                      <a:pPr algn="ctr">
+                        <a:buNone/>
+                      </a:pPr>
+                      <a:r>
+                        <a:rPr lang="en-US" altLang="zh-CN" sz="1600">
+                          <a:sym typeface="+mn-ea"/>
+                        </a:rPr>
+                        <a:t>∧</a:t>
+                      </a:r>
+                      <a:endParaRPr lang="en-US" altLang="zh-CN" sz="1600">
+                        <a:sym typeface="+mn-ea"/>
+                      </a:endParaRPr>
+                    </a:p>
+                  </a:txBody>
+                  <a:tcPr anchor="ctr" anchorCtr="0">
+                    <a:solidFill>
+                      <a:srgbClr val="7030A0"/>
+                    </a:solidFill>
+                  </a:tcPr>
+                </a:tc>
+                <a:tc>
+                  <a:txBody>
+                    <a:bodyPr/>
+                    <a:p>
+                      <a:pPr algn="ctr">
+                        <a:buNone/>
+                      </a:pPr>
+                      <a:r>
+                        <a:rPr lang="en-US" altLang="zh-CN" sz="1600">
+                          <a:sym typeface="+mn-ea"/>
+                        </a:rPr>
+                        <a:t>∧</a:t>
+                      </a:r>
+                      <a:endParaRPr lang="en-US" altLang="zh-CN" sz="1600">
+                        <a:sym typeface="+mn-ea"/>
+                      </a:endParaRPr>
+                    </a:p>
+                  </a:txBody>
+                  <a:tcPr anchor="ctr" anchorCtr="0">
+                    <a:solidFill>
+                      <a:srgbClr val="7030A0"/>
+                    </a:solidFill>
+                  </a:tcPr>
+                </a:tc>
+              </a:tr>
+            </a:tbl>
+          </a:graphicData>
+        </a:graphic>
+      </p:graphicFrame>
+      <p:graphicFrame>
+        <p:nvGraphicFramePr>
+          <p:cNvPr id="15" name="表格 14"/>
+          <p:cNvGraphicFramePr/>
+          <p:nvPr>
+            <p:custDataLst>
+              <p:tags r:id="rId6"/>
+            </p:custDataLst>
+          </p:nvPr>
+        </p:nvGraphicFramePr>
+        <p:xfrm>
+          <a:off x="9677400" y="4777740"/>
+          <a:ext cx="2160270" cy="365760"/>
+        </p:xfrm>
+        <a:graphic>
+          <a:graphicData uri="http://schemas.openxmlformats.org/drawingml/2006/table">
+            <a:tbl>
+              <a:tblPr firstRow="1" bandRow="1">
+                <a:tableStyleId>{5C22544A-7EE6-4342-B048-85BDC9FD1C3A}</a:tableStyleId>
+              </a:tblPr>
+              <a:tblGrid>
+                <a:gridCol w="432000"/>
+                <a:gridCol w="432435"/>
+                <a:gridCol w="431565"/>
+                <a:gridCol w="432000"/>
+                <a:gridCol w="432000"/>
+              </a:tblGrid>
+              <a:tr h="365760">
+                <a:tc>
+                  <a:txBody>
+                    <a:bodyPr/>
+                    <a:p>
+                      <a:pPr algn="ctr">
+                        <a:buNone/>
+                      </a:pPr>
+                      <a:r>
+                        <a:rPr lang="en-US" altLang="zh-CN" sz="1600"/>
+                        <a:t>4</a:t>
+                      </a:r>
+                      <a:endParaRPr lang="en-US" altLang="zh-CN" sz="1600"/>
+                    </a:p>
+                  </a:txBody>
+                  <a:tcPr anchor="ctr" anchorCtr="0">
+                    <a:solidFill>
+                      <a:srgbClr val="00B050"/>
+                    </a:solidFill>
+                  </a:tcPr>
+                </a:tc>
+                <a:tc>
+                  <a:txBody>
+                    <a:bodyPr/>
+                    <a:p>
+                      <a:pPr algn="ctr">
+                        <a:buNone/>
+                      </a:pPr>
+                      <a:r>
+                        <a:rPr lang="en-US" altLang="zh-CN" sz="1600"/>
+                        <a:t>4</a:t>
+                      </a:r>
+                      <a:endParaRPr lang="en-US" altLang="zh-CN" sz="1600"/>
+                    </a:p>
+                  </a:txBody>
+                  <a:tcPr anchor="ctr" anchorCtr="0">
+                    <a:solidFill>
+                      <a:srgbClr val="00B050"/>
+                    </a:solidFill>
+                  </a:tcPr>
+                </a:tc>
+                <a:tc>
+                  <a:txBody>
+                    <a:bodyPr/>
+                    <a:p>
+                      <a:pPr algn="ctr">
+                        <a:buNone/>
+                      </a:pPr>
+                      <a:r>
+                        <a:rPr lang="en-US" altLang="zh-CN" sz="1600"/>
+                        <a:t>50</a:t>
+                      </a:r>
+                      <a:endParaRPr lang="en-US" altLang="zh-CN" sz="1600"/>
+                    </a:p>
+                  </a:txBody>
+                  <a:tcPr anchor="ctr" anchorCtr="0">
+                    <a:solidFill>
+                      <a:srgbClr val="00B050"/>
+                    </a:solidFill>
+                  </a:tcPr>
+                </a:tc>
+                <a:tc>
+                  <a:txBody>
+                    <a:bodyPr/>
+                    <a:p>
+                      <a:pPr algn="ctr">
+                        <a:buNone/>
+                      </a:pPr>
+                      <a:r>
+                        <a:rPr lang="en-US" altLang="zh-CN" sz="1600">
+                          <a:sym typeface="+mn-ea"/>
+                        </a:rPr>
+                        <a:t>∧</a:t>
+                      </a:r>
+                      <a:endParaRPr lang="en-US" altLang="zh-CN" sz="1600">
+                        <a:sym typeface="+mn-ea"/>
+                      </a:endParaRPr>
+                    </a:p>
+                  </a:txBody>
+                  <a:tcPr anchor="ctr" anchorCtr="0">
+                    <a:solidFill>
+                      <a:srgbClr val="7030A0"/>
+                    </a:solidFill>
+                  </a:tcPr>
+                </a:tc>
+                <a:tc>
+                  <a:txBody>
+                    <a:bodyPr/>
+                    <a:p>
+                      <a:pPr algn="ctr">
+                        <a:buNone/>
+                      </a:pPr>
+                      <a:r>
+                        <a:rPr lang="en-US" altLang="zh-CN" sz="1600">
+                          <a:sym typeface="+mn-ea"/>
+                        </a:rPr>
+                        <a:t>∧</a:t>
+                      </a:r>
+                      <a:endParaRPr lang="en-US" altLang="zh-CN" sz="1600">
+                        <a:sym typeface="+mn-ea"/>
+                      </a:endParaRPr>
+                    </a:p>
+                  </a:txBody>
+                  <a:tcPr anchor="ctr" anchorCtr="0">
+                    <a:solidFill>
+                      <a:srgbClr val="7030A0"/>
+                    </a:solidFill>
+                  </a:tcPr>
+                </a:tc>
+              </a:tr>
+            </a:tbl>
+          </a:graphicData>
+        </a:graphic>
+      </p:graphicFrame>
+      <p:graphicFrame>
+        <p:nvGraphicFramePr>
+          <p:cNvPr id="16" name="表格 15"/>
+          <p:cNvGraphicFramePr/>
+          <p:nvPr>
+            <p:custDataLst>
+              <p:tags r:id="rId7"/>
+            </p:custDataLst>
+          </p:nvPr>
+        </p:nvGraphicFramePr>
+        <p:xfrm>
+          <a:off x="1040130" y="4115435"/>
+          <a:ext cx="2160270" cy="365760"/>
         </p:xfrm>
         <a:graphic>
           <a:graphicData uri="http://schemas.openxmlformats.org/drawingml/2006/table">
@@ -4234,7 +5606,7 @@
                 <a:gridCol w="432000"/>
                 <a:gridCol w="432000"/>
               </a:tblGrid>
-              <a:tr h="381000">
+              <a:tr h="335280">
                 <a:tc>
                   <a:txBody>
                     <a:bodyPr/>
@@ -4242,14 +5614,16 @@
                       <a:pPr algn="ctr">
                         <a:buNone/>
                       </a:pPr>
-                      <a:endParaRPr lang="zh-CN" altLang="en-US"/>
+                      <a:r>
+                        <a:rPr lang="en-US" altLang="zh-CN" sz="1600"/>
+                        <a:t>3</a:t>
+                      </a:r>
+                      <a:endParaRPr lang="en-US" altLang="zh-CN" sz="1600"/>
                     </a:p>
                   </a:txBody>
                   <a:tcPr anchor="ctr" anchorCtr="0">
                     <a:solidFill>
-                      <a:schemeClr val="accent4">
-                        <a:lumMod val="75000"/>
-                      </a:schemeClr>
+                      <a:srgbClr val="00B050"/>
                     </a:solidFill>
                   </a:tcPr>
                 </a:tc>
@@ -4260,14 +5634,16 @@
                       <a:pPr algn="ctr">
                         <a:buNone/>
                       </a:pPr>
-                      <a:endParaRPr lang="zh-CN" altLang="en-US"/>
+                      <a:r>
+                        <a:rPr lang="en-US" altLang="zh-CN" sz="1600"/>
+                        <a:t>0</a:t>
+                      </a:r>
+                      <a:endParaRPr lang="en-US" altLang="zh-CN" sz="1600"/>
                     </a:p>
                   </a:txBody>
                   <a:tcPr anchor="ctr" anchorCtr="0">
                     <a:solidFill>
-                      <a:schemeClr val="accent4">
-                        <a:lumMod val="75000"/>
-                      </a:schemeClr>
+                      <a:srgbClr val="00B050"/>
                     </a:solidFill>
                   </a:tcPr>
                 </a:tc>
@@ -4278,14 +5654,16 @@
                       <a:pPr algn="ctr">
                         <a:buNone/>
                       </a:pPr>
-                      <a:endParaRPr lang="zh-CN" altLang="en-US"/>
+                      <a:r>
+                        <a:rPr lang="en-US" altLang="zh-CN" sz="1600"/>
+                        <a:t>19</a:t>
+                      </a:r>
+                      <a:endParaRPr lang="en-US" altLang="zh-CN" sz="1600"/>
                     </a:p>
                   </a:txBody>
                   <a:tcPr anchor="ctr" anchorCtr="0">
                     <a:solidFill>
-                      <a:schemeClr val="accent4">
-                        <a:lumMod val="75000"/>
-                      </a:schemeClr>
+                      <a:srgbClr val="00B050"/>
                     </a:solidFill>
                   </a:tcPr>
                 </a:tc>
@@ -4296,14 +5674,16 @@
                       <a:pPr algn="ctr">
                         <a:buNone/>
                       </a:pPr>
-                      <a:endParaRPr lang="zh-CN" altLang="en-US"/>
+                      <a:r>
+                        <a:rPr lang="en-US" altLang="zh-CN" sz="1600"/>
+                        <a:t>∧</a:t>
+                      </a:r>
+                      <a:endParaRPr lang="en-US" altLang="zh-CN" sz="1600"/>
                     </a:p>
                   </a:txBody>
                   <a:tcPr anchor="ctr" anchorCtr="0">
                     <a:solidFill>
-                      <a:schemeClr val="accent4">
-                        <a:lumMod val="75000"/>
-                      </a:schemeClr>
+                      <a:srgbClr val="7030A0"/>
                     </a:solidFill>
                   </a:tcPr>
                 </a:tc>
@@ -4314,14 +5694,12 @@
                       <a:pPr algn="ctr">
                         <a:buNone/>
                       </a:pPr>
-                      <a:endParaRPr lang="zh-CN" altLang="en-US"/>
+                      <a:endParaRPr lang="zh-CN" altLang="en-US" sz="1600"/>
                     </a:p>
                   </a:txBody>
                   <a:tcPr anchor="ctr" anchorCtr="0">
                     <a:solidFill>
-                      <a:schemeClr val="accent4">
-                        <a:lumMod val="75000"/>
-                      </a:schemeClr>
+                      <a:srgbClr val="7030A0"/>
                     </a:solidFill>
                   </a:tcPr>
                 </a:tc>
@@ -4330,9 +5708,530 @@
           </a:graphicData>
         </a:graphic>
       </p:graphicFrame>
+      <p:cxnSp>
+        <p:nvCxnSpPr>
+          <p:cNvPr id="17" name="直接箭头连接符 16"/>
+          <p:cNvCxnSpPr>
+            <a:endCxn id="16" idx="1"/>
+          </p:cNvCxnSpPr>
+          <p:nvPr/>
+        </p:nvCxnSpPr>
+        <p:spPr>
+          <a:xfrm>
+            <a:off x="524510" y="4298315"/>
+            <a:ext cx="515620" cy="0"/>
+          </a:xfrm>
+          <a:prstGeom prst="straightConnector1">
+            <a:avLst/>
+          </a:prstGeom>
+          <a:ln w="31750">
+            <a:solidFill>
+              <a:schemeClr val="tx1"/>
+            </a:solidFill>
+            <a:tailEnd type="arrow"/>
+          </a:ln>
+        </p:spPr>
+        <p:style>
+          <a:lnRef idx="1">
+            <a:schemeClr val="accent1"/>
+          </a:lnRef>
+          <a:fillRef idx="0">
+            <a:schemeClr val="accent1"/>
+          </a:fillRef>
+          <a:effectRef idx="0">
+            <a:schemeClr val="accent1"/>
+          </a:effectRef>
+          <a:fontRef idx="minor">
+            <a:schemeClr val="tx1"/>
+          </a:fontRef>
+        </p:style>
+      </p:cxnSp>
+      <p:cxnSp>
+        <p:nvCxnSpPr>
+          <p:cNvPr id="18" name="直接箭头连接符 17"/>
+          <p:cNvCxnSpPr>
+            <a:stCxn id="16" idx="3"/>
+            <a:endCxn id="14" idx="1"/>
+          </p:cNvCxnSpPr>
+          <p:nvPr/>
+        </p:nvCxnSpPr>
+        <p:spPr>
+          <a:xfrm>
+            <a:off x="3200400" y="4298315"/>
+            <a:ext cx="8637270" cy="0"/>
+          </a:xfrm>
+          <a:prstGeom prst="straightConnector1">
+            <a:avLst/>
+          </a:prstGeom>
+          <a:ln w="31750">
+            <a:solidFill>
+              <a:schemeClr val="tx2"/>
+            </a:solidFill>
+            <a:tailEnd type="arrow"/>
+          </a:ln>
+        </p:spPr>
+        <p:style>
+          <a:lnRef idx="1">
+            <a:schemeClr val="accent1"/>
+          </a:lnRef>
+          <a:fillRef idx="0">
+            <a:schemeClr val="accent1"/>
+          </a:fillRef>
+          <a:effectRef idx="0">
+            <a:schemeClr val="accent1"/>
+          </a:effectRef>
+          <a:fontRef idx="minor">
+            <a:schemeClr val="tx1"/>
+          </a:fontRef>
+        </p:style>
+      </p:cxnSp>
+      <p:cxnSp>
+        <p:nvCxnSpPr>
+          <p:cNvPr id="19" name="直接箭头连接符 18"/>
+          <p:cNvCxnSpPr>
+            <a:endCxn id="3" idx="0"/>
+          </p:cNvCxnSpPr>
+          <p:nvPr/>
+        </p:nvCxnSpPr>
+        <p:spPr>
+          <a:xfrm flipH="1">
+            <a:off x="6426835" y="1253490"/>
+            <a:ext cx="635" cy="889635"/>
+          </a:xfrm>
+          <a:prstGeom prst="straightConnector1">
+            <a:avLst/>
+          </a:prstGeom>
+          <a:ln w="31750">
+            <a:solidFill>
+              <a:schemeClr val="tx1"/>
+            </a:solidFill>
+            <a:tailEnd type="arrow"/>
+          </a:ln>
+        </p:spPr>
+        <p:style>
+          <a:lnRef idx="1">
+            <a:schemeClr val="accent1"/>
+          </a:lnRef>
+          <a:fillRef idx="0">
+            <a:schemeClr val="accent1"/>
+          </a:fillRef>
+          <a:effectRef idx="0">
+            <a:schemeClr val="accent1"/>
+          </a:effectRef>
+          <a:fontRef idx="minor">
+            <a:schemeClr val="tx1"/>
+          </a:fontRef>
+        </p:style>
+      </p:cxnSp>
+      <p:cxnSp>
+        <p:nvCxnSpPr>
+          <p:cNvPr id="21" name="直接箭头连接符 20"/>
+          <p:cNvCxnSpPr>
+            <a:endCxn id="3" idx="1"/>
+          </p:cNvCxnSpPr>
+          <p:nvPr/>
+        </p:nvCxnSpPr>
+        <p:spPr>
+          <a:xfrm flipV="1">
+            <a:off x="535940" y="2333625"/>
+            <a:ext cx="4810760" cy="1905"/>
+          </a:xfrm>
+          <a:prstGeom prst="straightConnector1">
+            <a:avLst/>
+          </a:prstGeom>
+          <a:ln w="31750">
+            <a:solidFill>
+              <a:schemeClr val="tx1"/>
+            </a:solidFill>
+            <a:tailEnd type="arrow"/>
+          </a:ln>
+        </p:spPr>
+        <p:style>
+          <a:lnRef idx="1">
+            <a:schemeClr val="accent1"/>
+          </a:lnRef>
+          <a:fillRef idx="0">
+            <a:schemeClr val="accent1"/>
+          </a:fillRef>
+          <a:effectRef idx="0">
+            <a:schemeClr val="accent1"/>
+          </a:effectRef>
+          <a:fontRef idx="minor">
+            <a:schemeClr val="tx1"/>
+          </a:fontRef>
+        </p:style>
+      </p:cxnSp>
+      <p:cxnSp>
+        <p:nvCxnSpPr>
+          <p:cNvPr id="22" name="直接箭头连接符 21"/>
+          <p:cNvCxnSpPr>
+            <a:stCxn id="3" idx="3"/>
+            <a:endCxn id="10" idx="1"/>
+          </p:cNvCxnSpPr>
+          <p:nvPr/>
+        </p:nvCxnSpPr>
+        <p:spPr>
+          <a:xfrm>
+            <a:off x="7506970" y="2333625"/>
+            <a:ext cx="2160270" cy="0"/>
+          </a:xfrm>
+          <a:prstGeom prst="straightConnector1">
+            <a:avLst/>
+          </a:prstGeom>
+          <a:ln w="31750">
+            <a:solidFill>
+              <a:schemeClr val="tx1"/>
+            </a:solidFill>
+            <a:tailEnd type="arrow"/>
+          </a:ln>
+        </p:spPr>
+        <p:style>
+          <a:lnRef idx="1">
+            <a:schemeClr val="accent1"/>
+          </a:lnRef>
+          <a:fillRef idx="0">
+            <a:schemeClr val="accent1"/>
+          </a:fillRef>
+          <a:effectRef idx="0">
+            <a:schemeClr val="accent1"/>
+          </a:effectRef>
+          <a:fontRef idx="minor">
+            <a:schemeClr val="tx1"/>
+          </a:fontRef>
+        </p:style>
+      </p:cxnSp>
+      <p:cxnSp>
+        <p:nvCxnSpPr>
+          <p:cNvPr id="23" name="直接箭头连接符 22"/>
+          <p:cNvCxnSpPr>
+            <a:endCxn id="11" idx="1"/>
+          </p:cNvCxnSpPr>
+          <p:nvPr/>
+        </p:nvCxnSpPr>
+        <p:spPr>
+          <a:xfrm flipV="1">
+            <a:off x="535940" y="3090545"/>
+            <a:ext cx="2668905" cy="4445"/>
+          </a:xfrm>
+          <a:prstGeom prst="straightConnector1">
+            <a:avLst/>
+          </a:prstGeom>
+          <a:ln w="31750">
+            <a:solidFill>
+              <a:schemeClr val="tx1"/>
+            </a:solidFill>
+            <a:tailEnd type="arrow"/>
+          </a:ln>
+        </p:spPr>
+        <p:style>
+          <a:lnRef idx="1">
+            <a:schemeClr val="accent1"/>
+          </a:lnRef>
+          <a:fillRef idx="0">
+            <a:schemeClr val="accent1"/>
+          </a:fillRef>
+          <a:effectRef idx="0">
+            <a:schemeClr val="accent1"/>
+          </a:effectRef>
+          <a:fontRef idx="minor">
+            <a:schemeClr val="tx1"/>
+          </a:fontRef>
+        </p:style>
+      </p:cxnSp>
+      <p:cxnSp>
+        <p:nvCxnSpPr>
+          <p:cNvPr id="24" name="直接箭头连接符 23"/>
+          <p:cNvCxnSpPr>
+            <a:endCxn id="15" idx="1"/>
+          </p:cNvCxnSpPr>
+          <p:nvPr/>
+        </p:nvCxnSpPr>
+        <p:spPr>
+          <a:xfrm flipV="1">
+            <a:off x="535940" y="4960620"/>
+            <a:ext cx="9141460" cy="20955"/>
+          </a:xfrm>
+          <a:prstGeom prst="straightConnector1">
+            <a:avLst/>
+          </a:prstGeom>
+          <a:ln w="31750">
+            <a:solidFill>
+              <a:schemeClr val="tx1"/>
+            </a:solidFill>
+            <a:tailEnd type="arrow"/>
+          </a:ln>
+        </p:spPr>
+        <p:style>
+          <a:lnRef idx="1">
+            <a:schemeClr val="accent1"/>
+          </a:lnRef>
+          <a:fillRef idx="0">
+            <a:schemeClr val="accent1"/>
+          </a:fillRef>
+          <a:effectRef idx="0">
+            <a:schemeClr val="accent1"/>
+          </a:effectRef>
+          <a:fontRef idx="minor">
+            <a:schemeClr val="tx1"/>
+          </a:fontRef>
+        </p:style>
+      </p:cxnSp>
+      <p:cxnSp>
+        <p:nvCxnSpPr>
+          <p:cNvPr id="25" name="直接箭头连接符 24"/>
+          <p:cNvCxnSpPr>
+            <a:endCxn id="16" idx="0"/>
+          </p:cNvCxnSpPr>
+          <p:nvPr/>
+        </p:nvCxnSpPr>
+        <p:spPr>
+          <a:xfrm>
+            <a:off x="2078355" y="1299845"/>
+            <a:ext cx="41910" cy="2815590"/>
+          </a:xfrm>
+          <a:prstGeom prst="straightConnector1">
+            <a:avLst/>
+          </a:prstGeom>
+          <a:ln w="31750">
+            <a:solidFill>
+              <a:schemeClr val="tx1"/>
+            </a:solidFill>
+            <a:tailEnd type="arrow"/>
+          </a:ln>
+        </p:spPr>
+        <p:style>
+          <a:lnRef idx="1">
+            <a:schemeClr val="accent1"/>
+          </a:lnRef>
+          <a:fillRef idx="0">
+            <a:schemeClr val="accent1"/>
+          </a:fillRef>
+          <a:effectRef idx="0">
+            <a:schemeClr val="accent1"/>
+          </a:effectRef>
+          <a:fontRef idx="minor">
+            <a:schemeClr val="tx1"/>
+          </a:fontRef>
+        </p:style>
+      </p:cxnSp>
+      <p:cxnSp>
+        <p:nvCxnSpPr>
+          <p:cNvPr id="26" name="直接箭头连接符 25"/>
+          <p:cNvCxnSpPr>
+            <a:endCxn id="11" idx="0"/>
+          </p:cNvCxnSpPr>
+          <p:nvPr/>
+        </p:nvCxnSpPr>
+        <p:spPr>
+          <a:xfrm>
+            <a:off x="4252595" y="1242060"/>
+            <a:ext cx="32385" cy="1657985"/>
+          </a:xfrm>
+          <a:prstGeom prst="straightConnector1">
+            <a:avLst/>
+          </a:prstGeom>
+          <a:ln w="31750">
+            <a:solidFill>
+              <a:schemeClr val="tx1"/>
+            </a:solidFill>
+            <a:tailEnd type="arrow"/>
+          </a:ln>
+        </p:spPr>
+        <p:style>
+          <a:lnRef idx="1">
+            <a:schemeClr val="accent1"/>
+          </a:lnRef>
+          <a:fillRef idx="0">
+            <a:schemeClr val="accent1"/>
+          </a:fillRef>
+          <a:effectRef idx="0">
+            <a:schemeClr val="accent1"/>
+          </a:effectRef>
+          <a:fontRef idx="minor">
+            <a:schemeClr val="tx1"/>
+          </a:fontRef>
+        </p:style>
+      </p:cxnSp>
+      <p:cxnSp>
+        <p:nvCxnSpPr>
+          <p:cNvPr id="27" name="直接箭头连接符 26"/>
+          <p:cNvCxnSpPr>
+            <a:endCxn id="10" idx="0"/>
+          </p:cNvCxnSpPr>
+          <p:nvPr/>
+        </p:nvCxnSpPr>
+        <p:spPr>
+          <a:xfrm>
+            <a:off x="10730865" y="1264920"/>
+            <a:ext cx="16510" cy="878205"/>
+          </a:xfrm>
+          <a:prstGeom prst="straightConnector1">
+            <a:avLst/>
+          </a:prstGeom>
+          <a:ln w="31750">
+            <a:solidFill>
+              <a:schemeClr val="tx1"/>
+            </a:solidFill>
+            <a:tailEnd type="arrow"/>
+          </a:ln>
+        </p:spPr>
+        <p:style>
+          <a:lnRef idx="1">
+            <a:schemeClr val="accent1"/>
+          </a:lnRef>
+          <a:fillRef idx="0">
+            <a:schemeClr val="accent1"/>
+          </a:fillRef>
+          <a:effectRef idx="0">
+            <a:schemeClr val="accent1"/>
+          </a:effectRef>
+          <a:fontRef idx="minor">
+            <a:schemeClr val="tx1"/>
+          </a:fontRef>
+        </p:style>
+      </p:cxnSp>
+      <p:cxnSp>
+        <p:nvCxnSpPr>
+          <p:cNvPr id="28" name="直接箭头连接符 27"/>
+          <p:cNvCxnSpPr>
+            <a:stCxn id="10" idx="2"/>
+            <a:endCxn id="15" idx="0"/>
+          </p:cNvCxnSpPr>
+          <p:nvPr/>
+        </p:nvCxnSpPr>
+        <p:spPr>
+          <a:xfrm>
+            <a:off x="10747375" y="2524125"/>
+            <a:ext cx="10160" cy="2253615"/>
+          </a:xfrm>
+          <a:prstGeom prst="straightConnector1">
+            <a:avLst/>
+          </a:prstGeom>
+          <a:ln w="31750">
+            <a:solidFill>
+              <a:schemeClr val="tx1"/>
+            </a:solidFill>
+            <a:tailEnd type="arrow"/>
+          </a:ln>
+        </p:spPr>
+        <p:style>
+          <a:lnRef idx="1">
+            <a:schemeClr val="accent1"/>
+          </a:lnRef>
+          <a:fillRef idx="0">
+            <a:schemeClr val="accent1"/>
+          </a:fillRef>
+          <a:effectRef idx="0">
+            <a:schemeClr val="accent1"/>
+          </a:effectRef>
+          <a:fontRef idx="minor">
+            <a:schemeClr val="tx1"/>
+          </a:fontRef>
+        </p:style>
+      </p:cxnSp>
+      <p:cxnSp>
+        <p:nvCxnSpPr>
+          <p:cNvPr id="29" name="直接箭头连接符 28"/>
+          <p:cNvCxnSpPr>
+            <a:endCxn id="14" idx="0"/>
+          </p:cNvCxnSpPr>
+          <p:nvPr/>
+        </p:nvCxnSpPr>
+        <p:spPr>
+          <a:xfrm flipH="1">
+            <a:off x="12917805" y="1264920"/>
+            <a:ext cx="11430" cy="2850515"/>
+          </a:xfrm>
+          <a:prstGeom prst="straightConnector1">
+            <a:avLst/>
+          </a:prstGeom>
+          <a:ln w="31750">
+            <a:solidFill>
+              <a:schemeClr val="tx1"/>
+            </a:solidFill>
+            <a:tailEnd type="arrow"/>
+          </a:ln>
+        </p:spPr>
+        <p:style>
+          <a:lnRef idx="1">
+            <a:schemeClr val="accent1"/>
+          </a:lnRef>
+          <a:fillRef idx="0">
+            <a:schemeClr val="accent1"/>
+          </a:fillRef>
+          <a:effectRef idx="0">
+            <a:schemeClr val="accent1"/>
+          </a:effectRef>
+          <a:fontRef idx="minor">
+            <a:schemeClr val="tx1"/>
+          </a:fontRef>
+        </p:style>
+      </p:cxnSp>
+      <p:graphicFrame>
+        <p:nvGraphicFramePr>
+          <p:cNvPr id="30" name="对象 29">
+            <a:hlinkClick r:id="" action="ppaction://ole?verb="/>
+          </p:cNvPr>
+          <p:cNvGraphicFramePr>
+            <a:graphicFrameLocks noChangeAspect="1"/>
+          </p:cNvGraphicFramePr>
+          <p:nvPr>
+            <p:custDataLst>
+              <p:tags r:id="rId8"/>
+            </p:custDataLst>
+          </p:nvPr>
+        </p:nvGraphicFramePr>
+        <p:xfrm>
+          <a:off x="3213735" y="5696585"/>
+          <a:ext cx="4293235" cy="2432050"/>
+        </p:xfrm>
+        <a:graphic>
+          <a:graphicData uri="http://schemas.openxmlformats.org/presentationml/2006/ole">
+            <mc:AlternateContent xmlns:mc="http://schemas.openxmlformats.org/markup-compatibility/2006">
+              <mc:Choice xmlns:v="urn:schemas-microsoft-com:vml" Requires="v">
+                <p:oleObj spid="_x0000_s1025" name="" r:id="rId9" imgW="1816100" imgH="1028700" progId="Equation.KSEE3">
+                  <p:embed/>
+                </p:oleObj>
+              </mc:Choice>
+              <mc:Fallback>
+                <p:oleObj name="" r:id="rId9" imgW="1816100" imgH="1028700" progId="Equation.KSEE3">
+                  <p:embed/>
+                  <p:pic>
+                    <p:nvPicPr>
+                      <p:cNvPr id="0" name="图片 1024"/>
+                      <p:cNvPicPr/>
+                      <p:nvPr/>
+                    </p:nvPicPr>
+                    <p:blipFill>
+                      <a:blip r:embed="rId10"/>
+                      <a:stretch>
+                        <a:fillRect/>
+                      </a:stretch>
+                    </p:blipFill>
+                    <p:spPr>
+                      <a:xfrm>
+                        <a:off x="3213735" y="5696585"/>
+                        <a:ext cx="4293235" cy="2432050"/>
+                      </a:xfrm>
+                      <a:prstGeom prst="rect">
+                        <a:avLst/>
+                      </a:prstGeom>
+                      <a:solidFill>
+                        <a:schemeClr val="bg2">
+                          <a:lumMod val="85000"/>
+                        </a:schemeClr>
+                      </a:solidFill>
+                    </p:spPr>
+                  </p:pic>
+                </p:oleObj>
+              </mc:Fallback>
+            </mc:AlternateContent>
+          </a:graphicData>
+        </a:graphic>
+      </p:graphicFrame>
     </p:spTree>
     <p:custDataLst>
-      <p:tags r:id="rId1"/>
+      <p:tags r:id="rId11"/>
     </p:custDataLst>
   </p:cSld>
   <p:clrMapOvr>
@@ -5144,15 +7043,39 @@
 
 <file path=ppt/tags/tag65.xml><?xml version="1.0" encoding="utf-8"?>
 <p:tagLst xmlns:p="http://schemas.openxmlformats.org/presentationml/2006/main">
-  <p:tag name="KSO_WM_BEAUTIFY_FLAG" val="#wm#"/>
-  <p:tag name="KSO_WM_TEMPLATE_CATEGORY" val="custom"/>
-  <p:tag name="KSO_WM_TEMPLATE_INDEX" val="20205176"/>
+  <p:tag name="KSO_WM_BEAUTIFY_FLAG" val=""/>
+  <p:tag name="TABLE_ENDDRAG_ORIGIN_RECT" val="134*258"/>
+  <p:tag name="TABLE_ENDDRAG_RECT" val="144*195*134*258"/>
 </p:tagLst>
 </file>
 
 <file path=ppt/tags/tag66.xml><?xml version="1.0" encoding="utf-8"?>
 <p:tagLst xmlns:p="http://schemas.openxmlformats.org/presentationml/2006/main">
-  <p:tag name="COMMONDATA" val="eyJoZGlkIjoiMGNiYmI5YWVjOTk5ZjZhOWZjNGUxNjlhNTAzYmI0NWQifQ=="/>
+  <p:tag name="KSO_WM_BEAUTIFY_FLAG" val=""/>
+</p:tagLst>
+</file>
+
+<file path=ppt/tags/tag67.xml><?xml version="1.0" encoding="utf-8"?>
+<p:tagLst xmlns:p="http://schemas.openxmlformats.org/presentationml/2006/main">
+  <p:tag name="KSO_WM_BEAUTIFY_FLAG" val=""/>
+  <p:tag name="TABLE_ENDDRAG_ORIGIN_RECT" val="134*258"/>
+  <p:tag name="TABLE_ENDDRAG_RECT" val="144*195*134*258"/>
+</p:tagLst>
+</file>
+
+<file path=ppt/tags/tag68.xml><?xml version="1.0" encoding="utf-8"?>
+<p:tagLst xmlns:p="http://schemas.openxmlformats.org/presentationml/2006/main">
+  <p:tag name="KSO_WM_BEAUTIFY_FLAG" val=""/>
+  <p:tag name="TABLE_ENDDRAG_ORIGIN_RECT" val="134*258"/>
+  <p:tag name="TABLE_ENDDRAG_RECT" val="144*195*134*258"/>
+</p:tagLst>
+</file>
+
+<file path=ppt/tags/tag69.xml><?xml version="1.0" encoding="utf-8"?>
+<p:tagLst xmlns:p="http://schemas.openxmlformats.org/presentationml/2006/main">
+  <p:tag name="KSO_WM_BEAUTIFY_FLAG" val=""/>
+  <p:tag name="TABLE_ENDDRAG_ORIGIN_RECT" val="134*258"/>
+  <p:tag name="TABLE_ENDDRAG_RECT" val="144*195*134*258"/>
 </p:tagLst>
 </file>
 
@@ -5166,6 +7089,42 @@
   <p:tag name="KSO_WM_UNIT_LAYERLEVEL" val="1"/>
   <p:tag name="KSO_WM_TAG_VERSION" val="1.0"/>
   <p:tag name="KSO_WM_BEAUTIFY_FLAG" val="#wm#"/>
+</p:tagLst>
+</file>
+
+<file path=ppt/tags/tag70.xml><?xml version="1.0" encoding="utf-8"?>
+<p:tagLst xmlns:p="http://schemas.openxmlformats.org/presentationml/2006/main">
+  <p:tag name="KSO_WM_BEAUTIFY_FLAG" val=""/>
+  <p:tag name="TABLE_ENDDRAG_ORIGIN_RECT" val="134*258"/>
+  <p:tag name="TABLE_ENDDRAG_RECT" val="144*195*134*258"/>
+</p:tagLst>
+</file>
+
+<file path=ppt/tags/tag71.xml><?xml version="1.0" encoding="utf-8"?>
+<p:tagLst xmlns:p="http://schemas.openxmlformats.org/presentationml/2006/main">
+  <p:tag name="KSO_WM_BEAUTIFY_FLAG" val=""/>
+  <p:tag name="TABLE_ENDDRAG_ORIGIN_RECT" val="134*258"/>
+  <p:tag name="TABLE_ENDDRAG_RECT" val="144*195*134*258"/>
+</p:tagLst>
+</file>
+
+<file path=ppt/tags/tag72.xml><?xml version="1.0" encoding="utf-8"?>
+<p:tagLst xmlns:p="http://schemas.openxmlformats.org/presentationml/2006/main">
+  <p:tag name="KSO_WM_BEAUTIFY_FLAG" val=""/>
+</p:tagLst>
+</file>
+
+<file path=ppt/tags/tag73.xml><?xml version="1.0" encoding="utf-8"?>
+<p:tagLst xmlns:p="http://schemas.openxmlformats.org/presentationml/2006/main">
+  <p:tag name="KSO_WM_BEAUTIFY_FLAG" val="#wm#"/>
+  <p:tag name="KSO_WM_TEMPLATE_CATEGORY" val="custom"/>
+  <p:tag name="KSO_WM_TEMPLATE_INDEX" val="20205176"/>
+</p:tagLst>
+</file>
+
+<file path=ppt/tags/tag74.xml><?xml version="1.0" encoding="utf-8"?>
+<p:tagLst xmlns:p="http://schemas.openxmlformats.org/presentationml/2006/main">
+  <p:tag name="COMMONDATA" val="eyJoZGlkIjoiMGNiYmI5YWVjOTk5ZjZhOWZjNGUxNjlhNTAzYmI0NWQifQ=="/>
 </p:tagLst>
 </file>
 
